--- a/ETL extract,  transform & load.pptx
+++ b/ETL extract,  transform & load.pptx
@@ -108,6 +108,11 @@
       </a:defRPr>
     </a:lvl9pPr>
   </p:defaultTextStyle>
+  <p:extLst>
+    <p:ext uri="{EFAFB233-063F-42B5-8137-9DF3F51BA10A}">
+      <p15:sldGuideLst xmlns:p15="http://schemas.microsoft.com/office/powerpoint/2012/main"/>
+    </p:ext>
+  </p:extLst>
 </p:presentation>
 </file>
 
@@ -4275,7 +4280,7 @@
         </p:blipFill>
         <p:spPr>
           <a:xfrm>
-            <a:off x="349709" y="4390486"/>
+            <a:off x="349709" y="4424503"/>
             <a:ext cx="6304762" cy="961905"/>
           </a:xfrm>
           <a:prstGeom prst="rect">
@@ -4620,6 +4625,52 @@
               <a:rPr lang="en-US" dirty="0"/>
               <a:t>Check for Tables</a:t>
             </a:r>
+          </a:p>
+        </p:txBody>
+      </p:sp>
+      <p:sp>
+        <p:nvSpPr>
+          <p:cNvPr id="6" name="Rectangle 5">
+            <a:extLst>
+              <a:ext uri="{FF2B5EF4-FFF2-40B4-BE49-F238E27FC236}">
+                <a16:creationId xmlns:a16="http://schemas.microsoft.com/office/drawing/2014/main" id="{62A0FB94-BA0C-4E16-949C-F29504259470}"/>
+              </a:ext>
+            </a:extLst>
+          </p:cNvPr>
+          <p:cNvSpPr/>
+          <p:nvPr/>
+        </p:nvSpPr>
+        <p:spPr>
+          <a:xfrm flipV="1">
+            <a:off x="3497328" y="4930041"/>
+            <a:ext cx="1164983" cy="80245"/>
+          </a:xfrm>
+          <a:prstGeom prst="rect">
+            <a:avLst/>
+          </a:prstGeom>
+        </p:spPr>
+        <p:style>
+          <a:lnRef idx="2">
+            <a:schemeClr val="accent1">
+              <a:shade val="50000"/>
+            </a:schemeClr>
+          </a:lnRef>
+          <a:fillRef idx="1">
+            <a:schemeClr val="accent1"/>
+          </a:fillRef>
+          <a:effectRef idx="0">
+            <a:schemeClr val="accent1"/>
+          </a:effectRef>
+          <a:fontRef idx="minor">
+            <a:schemeClr val="lt1"/>
+          </a:fontRef>
+        </p:style>
+        <p:txBody>
+          <a:bodyPr rtlCol="0" anchor="ctr"/>
+          <a:lstStyle/>
+          <a:p>
+            <a:pPr algn="ctr"/>
+            <a:endParaRPr lang="en-US"/>
           </a:p>
         </p:txBody>
       </p:sp>

--- a/ETL extract,  transform & load.pptx
+++ b/ETL extract,  transform & load.pptx
@@ -10,6 +10,7 @@
     <p:sldId id="259" r:id="rId4"/>
     <p:sldId id="262" r:id="rId5"/>
     <p:sldId id="261" r:id="rId6"/>
+    <p:sldId id="263" r:id="rId7"/>
   </p:sldIdLst>
   <p:sldSz cx="12192000" cy="6858000"/>
   <p:notesSz cx="6858000" cy="9144000"/>
@@ -114,6 +115,14 @@
     </p:ext>
   </p:extLst>
 </p:presentation>
+</file>
+
+<file path=ppt/revisionInfo.xml><?xml version="1.0" encoding="utf-8"?>
+<p1510:revInfo xmlns:a="http://schemas.openxmlformats.org/drawingml/2006/main" xmlns:r="http://schemas.openxmlformats.org/officeDocument/2006/relationships" xmlns:p1510="http://schemas.microsoft.com/office/powerpoint/2015/10/main">
+  <p1510:revLst>
+    <p1510:client id="{B31310C9-06F0-4156-BCE8-37894FDE9E5F}" v="4" dt="2019-04-19T01:51:55.700"/>
+  </p1510:revLst>
+</p1510:revInfo>
 </file>
 
 <file path=ppt/slideLayouts/slideLayout1.xml><?xml version="1.0" encoding="utf-8"?>
@@ -4260,10 +4269,10 @@
       </p:pic>
       <p:pic>
         <p:nvPicPr>
-          <p:cNvPr id="11" name="Picture 10">
+          <p:cNvPr id="12" name="Picture 11">
             <a:extLst>
               <a:ext uri="{FF2B5EF4-FFF2-40B4-BE49-F238E27FC236}">
-                <a16:creationId xmlns:a16="http://schemas.microsoft.com/office/drawing/2014/main" id="{0B17A0CD-6825-4C54-9BC4-8746C235D932}"/>
+                <a16:creationId xmlns:a16="http://schemas.microsoft.com/office/drawing/2014/main" id="{3E51605C-4CB4-430A-98EC-6E912B45BBF9}"/>
               </a:ext>
             </a:extLst>
           </p:cNvPr>
@@ -4280,20 +4289,330 @@
         </p:blipFill>
         <p:spPr>
           <a:xfrm>
-            <a:off x="349709" y="4424503"/>
-            <a:ext cx="6304762" cy="961905"/>
+            <a:off x="5735441" y="5473042"/>
+            <a:ext cx="6304762" cy="257143"/>
           </a:xfrm>
           <a:prstGeom prst="rect">
             <a:avLst/>
           </a:prstGeom>
         </p:spPr>
       </p:pic>
+      <p:sp>
+        <p:nvSpPr>
+          <p:cNvPr id="13" name="TextBox 12">
+            <a:extLst>
+              <a:ext uri="{FF2B5EF4-FFF2-40B4-BE49-F238E27FC236}">
+                <a16:creationId xmlns:a16="http://schemas.microsoft.com/office/drawing/2014/main" id="{D38FC431-83D1-4C80-A757-78C1F2DAA5D9}"/>
+              </a:ext>
+            </a:extLst>
+          </p:cNvPr>
+          <p:cNvSpPr txBox="1"/>
+          <p:nvPr/>
+        </p:nvSpPr>
+        <p:spPr>
+          <a:xfrm>
+            <a:off x="826271" y="100278"/>
+            <a:ext cx="1858206" cy="369332"/>
+          </a:xfrm>
+          <a:prstGeom prst="rect">
+            <a:avLst/>
+          </a:prstGeom>
+          <a:noFill/>
+        </p:spPr>
+        <p:txBody>
+          <a:bodyPr wrap="square" rtlCol="0">
+            <a:spAutoFit/>
+          </a:bodyPr>
+          <a:lstStyle/>
+          <a:p>
+            <a:r>
+              <a:rPr lang="en-US" dirty="0"/>
+              <a:t>Clean </a:t>
+            </a:r>
+            <a:r>
+              <a:rPr lang="en-US" dirty="0" err="1"/>
+              <a:t>DataFrame</a:t>
+            </a:r>
+            <a:endParaRPr lang="en-US" dirty="0"/>
+          </a:p>
+        </p:txBody>
+      </p:sp>
+      <p:sp>
+        <p:nvSpPr>
+          <p:cNvPr id="14" name="TextBox 13">
+            <a:extLst>
+              <a:ext uri="{FF2B5EF4-FFF2-40B4-BE49-F238E27FC236}">
+                <a16:creationId xmlns:a16="http://schemas.microsoft.com/office/drawing/2014/main" id="{714559B2-7112-4412-A445-79CA954C6500}"/>
+              </a:ext>
+            </a:extLst>
+          </p:cNvPr>
+          <p:cNvSpPr txBox="1"/>
+          <p:nvPr/>
+        </p:nvSpPr>
+        <p:spPr>
+          <a:xfrm>
+            <a:off x="826271" y="1346929"/>
+            <a:ext cx="1858206" cy="369332"/>
+          </a:xfrm>
+          <a:prstGeom prst="rect">
+            <a:avLst/>
+          </a:prstGeom>
+          <a:noFill/>
+        </p:spPr>
+        <p:txBody>
+          <a:bodyPr wrap="square" rtlCol="0">
+            <a:spAutoFit/>
+          </a:bodyPr>
+          <a:lstStyle/>
+          <a:p>
+            <a:r>
+              <a:rPr lang="en-US" dirty="0"/>
+              <a:t>Clean </a:t>
+            </a:r>
+            <a:r>
+              <a:rPr lang="en-US" dirty="0" err="1"/>
+              <a:t>DataFrame</a:t>
+            </a:r>
+            <a:endParaRPr lang="en-US" dirty="0"/>
+          </a:p>
+        </p:txBody>
+      </p:sp>
+      <p:sp>
+        <p:nvSpPr>
+          <p:cNvPr id="15" name="TextBox 14">
+            <a:extLst>
+              <a:ext uri="{FF2B5EF4-FFF2-40B4-BE49-F238E27FC236}">
+                <a16:creationId xmlns:a16="http://schemas.microsoft.com/office/drawing/2014/main" id="{3AD800F8-4D74-4DD3-87CE-F0B225C15465}"/>
+              </a:ext>
+            </a:extLst>
+          </p:cNvPr>
+          <p:cNvSpPr txBox="1"/>
+          <p:nvPr/>
+        </p:nvSpPr>
+        <p:spPr>
+          <a:xfrm>
+            <a:off x="876605" y="2777921"/>
+            <a:ext cx="1858206" cy="369332"/>
+          </a:xfrm>
+          <a:prstGeom prst="rect">
+            <a:avLst/>
+          </a:prstGeom>
+          <a:noFill/>
+        </p:spPr>
+        <p:txBody>
+          <a:bodyPr wrap="square" rtlCol="0">
+            <a:spAutoFit/>
+          </a:bodyPr>
+          <a:lstStyle/>
+          <a:p>
+            <a:r>
+              <a:rPr lang="en-US" dirty="0"/>
+              <a:t>Clean </a:t>
+            </a:r>
+            <a:r>
+              <a:rPr lang="en-US" dirty="0" err="1"/>
+              <a:t>DataFrame</a:t>
+            </a:r>
+            <a:endParaRPr lang="en-US" dirty="0"/>
+          </a:p>
+        </p:txBody>
+      </p:sp>
+      <p:sp>
+        <p:nvSpPr>
+          <p:cNvPr id="16" name="TextBox 15">
+            <a:extLst>
+              <a:ext uri="{FF2B5EF4-FFF2-40B4-BE49-F238E27FC236}">
+                <a16:creationId xmlns:a16="http://schemas.microsoft.com/office/drawing/2014/main" id="{28D9282A-A591-4DE7-91F2-14F86DFDFF4D}"/>
+              </a:ext>
+            </a:extLst>
+          </p:cNvPr>
+          <p:cNvSpPr txBox="1"/>
+          <p:nvPr/>
+        </p:nvSpPr>
+        <p:spPr>
+          <a:xfrm>
+            <a:off x="936725" y="3888837"/>
+            <a:ext cx="2813154" cy="369332"/>
+          </a:xfrm>
+          <a:prstGeom prst="rect">
+            <a:avLst/>
+          </a:prstGeom>
+          <a:noFill/>
+        </p:spPr>
+        <p:txBody>
+          <a:bodyPr wrap="square" rtlCol="0">
+            <a:spAutoFit/>
+          </a:bodyPr>
+          <a:lstStyle/>
+          <a:p>
+            <a:r>
+              <a:rPr lang="en-US" dirty="0"/>
+              <a:t>Connect to Local Database</a:t>
+            </a:r>
+          </a:p>
+        </p:txBody>
+      </p:sp>
+      <p:sp>
+        <p:nvSpPr>
+          <p:cNvPr id="17" name="TextBox 16">
+            <a:extLst>
+              <a:ext uri="{FF2B5EF4-FFF2-40B4-BE49-F238E27FC236}">
+                <a16:creationId xmlns:a16="http://schemas.microsoft.com/office/drawing/2014/main" id="{8732E95E-EBF3-424F-80A8-5789BA463A56}"/>
+              </a:ext>
+            </a:extLst>
+          </p:cNvPr>
+          <p:cNvSpPr txBox="1"/>
+          <p:nvPr/>
+        </p:nvSpPr>
+        <p:spPr>
+          <a:xfrm>
+            <a:off x="9984085" y="758483"/>
+            <a:ext cx="1858206" cy="369332"/>
+          </a:xfrm>
+          <a:prstGeom prst="rect">
+            <a:avLst/>
+          </a:prstGeom>
+          <a:noFill/>
+        </p:spPr>
+        <p:txBody>
+          <a:bodyPr wrap="square" rtlCol="0">
+            <a:spAutoFit/>
+          </a:bodyPr>
+          <a:lstStyle/>
+          <a:p>
+            <a:r>
+              <a:rPr lang="en-US" dirty="0"/>
+              <a:t>Clean </a:t>
+            </a:r>
+            <a:r>
+              <a:rPr lang="en-US" dirty="0" err="1"/>
+              <a:t>DataFrame</a:t>
+            </a:r>
+            <a:endParaRPr lang="en-US" dirty="0"/>
+          </a:p>
+        </p:txBody>
+      </p:sp>
+      <p:sp>
+        <p:nvSpPr>
+          <p:cNvPr id="18" name="TextBox 17">
+            <a:extLst>
+              <a:ext uri="{FF2B5EF4-FFF2-40B4-BE49-F238E27FC236}">
+                <a16:creationId xmlns:a16="http://schemas.microsoft.com/office/drawing/2014/main" id="{91FF01A4-83DA-4277-96CD-B8FDD611AF38}"/>
+              </a:ext>
+            </a:extLst>
+          </p:cNvPr>
+          <p:cNvSpPr txBox="1"/>
+          <p:nvPr/>
+        </p:nvSpPr>
+        <p:spPr>
+          <a:xfrm>
+            <a:off x="9984085" y="1986600"/>
+            <a:ext cx="1858206" cy="369332"/>
+          </a:xfrm>
+          <a:prstGeom prst="rect">
+            <a:avLst/>
+          </a:prstGeom>
+          <a:noFill/>
+        </p:spPr>
+        <p:txBody>
+          <a:bodyPr wrap="square" rtlCol="0">
+            <a:spAutoFit/>
+          </a:bodyPr>
+          <a:lstStyle/>
+          <a:p>
+            <a:r>
+              <a:rPr lang="en-US" dirty="0"/>
+              <a:t>Clean </a:t>
+            </a:r>
+            <a:r>
+              <a:rPr lang="en-US" dirty="0" err="1"/>
+              <a:t>DataFrame</a:t>
+            </a:r>
+            <a:endParaRPr lang="en-US" dirty="0"/>
+          </a:p>
+        </p:txBody>
+      </p:sp>
+      <p:sp>
+        <p:nvSpPr>
+          <p:cNvPr id="19" name="TextBox 18">
+            <a:extLst>
+              <a:ext uri="{FF2B5EF4-FFF2-40B4-BE49-F238E27FC236}">
+                <a16:creationId xmlns:a16="http://schemas.microsoft.com/office/drawing/2014/main" id="{3A7483E3-731C-4BA5-A46E-A264393A28B5}"/>
+              </a:ext>
+            </a:extLst>
+          </p:cNvPr>
+          <p:cNvSpPr txBox="1"/>
+          <p:nvPr/>
+        </p:nvSpPr>
+        <p:spPr>
+          <a:xfrm>
+            <a:off x="9984085" y="3385148"/>
+            <a:ext cx="1858206" cy="369332"/>
+          </a:xfrm>
+          <a:prstGeom prst="rect">
+            <a:avLst/>
+          </a:prstGeom>
+          <a:noFill/>
+        </p:spPr>
+        <p:txBody>
+          <a:bodyPr wrap="square" rtlCol="0">
+            <a:spAutoFit/>
+          </a:bodyPr>
+          <a:lstStyle/>
+          <a:p>
+            <a:r>
+              <a:rPr lang="en-US" dirty="0"/>
+              <a:t>Clean </a:t>
+            </a:r>
+            <a:r>
+              <a:rPr lang="en-US" dirty="0" err="1"/>
+              <a:t>DataFrame</a:t>
+            </a:r>
+            <a:endParaRPr lang="en-US" dirty="0"/>
+          </a:p>
+        </p:txBody>
+      </p:sp>
+      <p:sp>
+        <p:nvSpPr>
+          <p:cNvPr id="20" name="TextBox 19">
+            <a:extLst>
+              <a:ext uri="{FF2B5EF4-FFF2-40B4-BE49-F238E27FC236}">
+                <a16:creationId xmlns:a16="http://schemas.microsoft.com/office/drawing/2014/main" id="{B6918D31-E0C2-41D0-8CBB-2517A2BED2AA}"/>
+              </a:ext>
+            </a:extLst>
+          </p:cNvPr>
+          <p:cNvSpPr txBox="1"/>
+          <p:nvPr/>
+        </p:nvSpPr>
+        <p:spPr>
+          <a:xfrm>
+            <a:off x="9984085" y="4905456"/>
+            <a:ext cx="1858206" cy="369332"/>
+          </a:xfrm>
+          <a:prstGeom prst="rect">
+            <a:avLst/>
+          </a:prstGeom>
+          <a:noFill/>
+        </p:spPr>
+        <p:txBody>
+          <a:bodyPr wrap="square" rtlCol="0">
+            <a:spAutoFit/>
+          </a:bodyPr>
+          <a:lstStyle/>
+          <a:p>
+            <a:r>
+              <a:rPr lang="en-US" dirty="0"/>
+              <a:t>Check for Tables</a:t>
+            </a:r>
+          </a:p>
+        </p:txBody>
+      </p:sp>
       <p:pic>
         <p:nvPicPr>
-          <p:cNvPr id="12" name="Picture 11">
+          <p:cNvPr id="21" name="Picture 20">
             <a:extLst>
               <a:ext uri="{FF2B5EF4-FFF2-40B4-BE49-F238E27FC236}">
-                <a16:creationId xmlns:a16="http://schemas.microsoft.com/office/drawing/2014/main" id="{3E51605C-4CB4-430A-98EC-6E912B45BBF9}"/>
+                <a16:creationId xmlns:a16="http://schemas.microsoft.com/office/drawing/2014/main" id="{5D872327-FBB8-4EB2-B3EB-B49F1B0894FF}"/>
               </a:ext>
             </a:extLst>
           </p:cNvPr>
@@ -4310,370 +4629,14 @@
         </p:blipFill>
         <p:spPr>
           <a:xfrm>
-            <a:off x="5735441" y="5473042"/>
-            <a:ext cx="6304762" cy="257143"/>
+            <a:off x="340185" y="4388298"/>
+            <a:ext cx="6304762" cy="961905"/>
           </a:xfrm>
           <a:prstGeom prst="rect">
             <a:avLst/>
           </a:prstGeom>
         </p:spPr>
       </p:pic>
-      <p:sp>
-        <p:nvSpPr>
-          <p:cNvPr id="13" name="TextBox 12">
-            <a:extLst>
-              <a:ext uri="{FF2B5EF4-FFF2-40B4-BE49-F238E27FC236}">
-                <a16:creationId xmlns:a16="http://schemas.microsoft.com/office/drawing/2014/main" id="{D38FC431-83D1-4C80-A757-78C1F2DAA5D9}"/>
-              </a:ext>
-            </a:extLst>
-          </p:cNvPr>
-          <p:cNvSpPr txBox="1"/>
-          <p:nvPr/>
-        </p:nvSpPr>
-        <p:spPr>
-          <a:xfrm>
-            <a:off x="826271" y="100278"/>
-            <a:ext cx="1858206" cy="369332"/>
-          </a:xfrm>
-          <a:prstGeom prst="rect">
-            <a:avLst/>
-          </a:prstGeom>
-          <a:noFill/>
-        </p:spPr>
-        <p:txBody>
-          <a:bodyPr wrap="square" rtlCol="0">
-            <a:spAutoFit/>
-          </a:bodyPr>
-          <a:lstStyle/>
-          <a:p>
-            <a:r>
-              <a:rPr lang="en-US" dirty="0"/>
-              <a:t>Clean </a:t>
-            </a:r>
-            <a:r>
-              <a:rPr lang="en-US" dirty="0" err="1"/>
-              <a:t>DataFrame</a:t>
-            </a:r>
-            <a:endParaRPr lang="en-US" dirty="0"/>
-          </a:p>
-        </p:txBody>
-      </p:sp>
-      <p:sp>
-        <p:nvSpPr>
-          <p:cNvPr id="14" name="TextBox 13">
-            <a:extLst>
-              <a:ext uri="{FF2B5EF4-FFF2-40B4-BE49-F238E27FC236}">
-                <a16:creationId xmlns:a16="http://schemas.microsoft.com/office/drawing/2014/main" id="{714559B2-7112-4412-A445-79CA954C6500}"/>
-              </a:ext>
-            </a:extLst>
-          </p:cNvPr>
-          <p:cNvSpPr txBox="1"/>
-          <p:nvPr/>
-        </p:nvSpPr>
-        <p:spPr>
-          <a:xfrm>
-            <a:off x="826271" y="1346929"/>
-            <a:ext cx="1858206" cy="369332"/>
-          </a:xfrm>
-          <a:prstGeom prst="rect">
-            <a:avLst/>
-          </a:prstGeom>
-          <a:noFill/>
-        </p:spPr>
-        <p:txBody>
-          <a:bodyPr wrap="square" rtlCol="0">
-            <a:spAutoFit/>
-          </a:bodyPr>
-          <a:lstStyle/>
-          <a:p>
-            <a:r>
-              <a:rPr lang="en-US" dirty="0"/>
-              <a:t>Clean </a:t>
-            </a:r>
-            <a:r>
-              <a:rPr lang="en-US" dirty="0" err="1"/>
-              <a:t>DataFrame</a:t>
-            </a:r>
-            <a:endParaRPr lang="en-US" dirty="0"/>
-          </a:p>
-        </p:txBody>
-      </p:sp>
-      <p:sp>
-        <p:nvSpPr>
-          <p:cNvPr id="15" name="TextBox 14">
-            <a:extLst>
-              <a:ext uri="{FF2B5EF4-FFF2-40B4-BE49-F238E27FC236}">
-                <a16:creationId xmlns:a16="http://schemas.microsoft.com/office/drawing/2014/main" id="{3AD800F8-4D74-4DD3-87CE-F0B225C15465}"/>
-              </a:ext>
-            </a:extLst>
-          </p:cNvPr>
-          <p:cNvSpPr txBox="1"/>
-          <p:nvPr/>
-        </p:nvSpPr>
-        <p:spPr>
-          <a:xfrm>
-            <a:off x="876605" y="2777921"/>
-            <a:ext cx="1858206" cy="369332"/>
-          </a:xfrm>
-          <a:prstGeom prst="rect">
-            <a:avLst/>
-          </a:prstGeom>
-          <a:noFill/>
-        </p:spPr>
-        <p:txBody>
-          <a:bodyPr wrap="square" rtlCol="0">
-            <a:spAutoFit/>
-          </a:bodyPr>
-          <a:lstStyle/>
-          <a:p>
-            <a:r>
-              <a:rPr lang="en-US" dirty="0"/>
-              <a:t>Clean </a:t>
-            </a:r>
-            <a:r>
-              <a:rPr lang="en-US" dirty="0" err="1"/>
-              <a:t>DataFrame</a:t>
-            </a:r>
-            <a:endParaRPr lang="en-US" dirty="0"/>
-          </a:p>
-        </p:txBody>
-      </p:sp>
-      <p:sp>
-        <p:nvSpPr>
-          <p:cNvPr id="16" name="TextBox 15">
-            <a:extLst>
-              <a:ext uri="{FF2B5EF4-FFF2-40B4-BE49-F238E27FC236}">
-                <a16:creationId xmlns:a16="http://schemas.microsoft.com/office/drawing/2014/main" id="{28D9282A-A591-4DE7-91F2-14F86DFDFF4D}"/>
-              </a:ext>
-            </a:extLst>
-          </p:cNvPr>
-          <p:cNvSpPr txBox="1"/>
-          <p:nvPr/>
-        </p:nvSpPr>
-        <p:spPr>
-          <a:xfrm>
-            <a:off x="936725" y="3888837"/>
-            <a:ext cx="2813154" cy="369332"/>
-          </a:xfrm>
-          <a:prstGeom prst="rect">
-            <a:avLst/>
-          </a:prstGeom>
-          <a:noFill/>
-        </p:spPr>
-        <p:txBody>
-          <a:bodyPr wrap="square" rtlCol="0">
-            <a:spAutoFit/>
-          </a:bodyPr>
-          <a:lstStyle/>
-          <a:p>
-            <a:r>
-              <a:rPr lang="en-US" dirty="0"/>
-              <a:t>Connect to Local Database</a:t>
-            </a:r>
-          </a:p>
-        </p:txBody>
-      </p:sp>
-      <p:sp>
-        <p:nvSpPr>
-          <p:cNvPr id="17" name="TextBox 16">
-            <a:extLst>
-              <a:ext uri="{FF2B5EF4-FFF2-40B4-BE49-F238E27FC236}">
-                <a16:creationId xmlns:a16="http://schemas.microsoft.com/office/drawing/2014/main" id="{8732E95E-EBF3-424F-80A8-5789BA463A56}"/>
-              </a:ext>
-            </a:extLst>
-          </p:cNvPr>
-          <p:cNvSpPr txBox="1"/>
-          <p:nvPr/>
-        </p:nvSpPr>
-        <p:spPr>
-          <a:xfrm>
-            <a:off x="9984085" y="758483"/>
-            <a:ext cx="1858206" cy="369332"/>
-          </a:xfrm>
-          <a:prstGeom prst="rect">
-            <a:avLst/>
-          </a:prstGeom>
-          <a:noFill/>
-        </p:spPr>
-        <p:txBody>
-          <a:bodyPr wrap="square" rtlCol="0">
-            <a:spAutoFit/>
-          </a:bodyPr>
-          <a:lstStyle/>
-          <a:p>
-            <a:r>
-              <a:rPr lang="en-US" dirty="0"/>
-              <a:t>Clean </a:t>
-            </a:r>
-            <a:r>
-              <a:rPr lang="en-US" dirty="0" err="1"/>
-              <a:t>DataFrame</a:t>
-            </a:r>
-            <a:endParaRPr lang="en-US" dirty="0"/>
-          </a:p>
-        </p:txBody>
-      </p:sp>
-      <p:sp>
-        <p:nvSpPr>
-          <p:cNvPr id="18" name="TextBox 17">
-            <a:extLst>
-              <a:ext uri="{FF2B5EF4-FFF2-40B4-BE49-F238E27FC236}">
-                <a16:creationId xmlns:a16="http://schemas.microsoft.com/office/drawing/2014/main" id="{91FF01A4-83DA-4277-96CD-B8FDD611AF38}"/>
-              </a:ext>
-            </a:extLst>
-          </p:cNvPr>
-          <p:cNvSpPr txBox="1"/>
-          <p:nvPr/>
-        </p:nvSpPr>
-        <p:spPr>
-          <a:xfrm>
-            <a:off x="9984085" y="1986600"/>
-            <a:ext cx="1858206" cy="369332"/>
-          </a:xfrm>
-          <a:prstGeom prst="rect">
-            <a:avLst/>
-          </a:prstGeom>
-          <a:noFill/>
-        </p:spPr>
-        <p:txBody>
-          <a:bodyPr wrap="square" rtlCol="0">
-            <a:spAutoFit/>
-          </a:bodyPr>
-          <a:lstStyle/>
-          <a:p>
-            <a:r>
-              <a:rPr lang="en-US" dirty="0"/>
-              <a:t>Clean </a:t>
-            </a:r>
-            <a:r>
-              <a:rPr lang="en-US" dirty="0" err="1"/>
-              <a:t>DataFrame</a:t>
-            </a:r>
-            <a:endParaRPr lang="en-US" dirty="0"/>
-          </a:p>
-        </p:txBody>
-      </p:sp>
-      <p:sp>
-        <p:nvSpPr>
-          <p:cNvPr id="19" name="TextBox 18">
-            <a:extLst>
-              <a:ext uri="{FF2B5EF4-FFF2-40B4-BE49-F238E27FC236}">
-                <a16:creationId xmlns:a16="http://schemas.microsoft.com/office/drawing/2014/main" id="{3A7483E3-731C-4BA5-A46E-A264393A28B5}"/>
-              </a:ext>
-            </a:extLst>
-          </p:cNvPr>
-          <p:cNvSpPr txBox="1"/>
-          <p:nvPr/>
-        </p:nvSpPr>
-        <p:spPr>
-          <a:xfrm>
-            <a:off x="9984085" y="3385148"/>
-            <a:ext cx="1858206" cy="369332"/>
-          </a:xfrm>
-          <a:prstGeom prst="rect">
-            <a:avLst/>
-          </a:prstGeom>
-          <a:noFill/>
-        </p:spPr>
-        <p:txBody>
-          <a:bodyPr wrap="square" rtlCol="0">
-            <a:spAutoFit/>
-          </a:bodyPr>
-          <a:lstStyle/>
-          <a:p>
-            <a:r>
-              <a:rPr lang="en-US" dirty="0"/>
-              <a:t>Clean </a:t>
-            </a:r>
-            <a:r>
-              <a:rPr lang="en-US" dirty="0" err="1"/>
-              <a:t>DataFrame</a:t>
-            </a:r>
-            <a:endParaRPr lang="en-US" dirty="0"/>
-          </a:p>
-        </p:txBody>
-      </p:sp>
-      <p:sp>
-        <p:nvSpPr>
-          <p:cNvPr id="20" name="TextBox 19">
-            <a:extLst>
-              <a:ext uri="{FF2B5EF4-FFF2-40B4-BE49-F238E27FC236}">
-                <a16:creationId xmlns:a16="http://schemas.microsoft.com/office/drawing/2014/main" id="{B6918D31-E0C2-41D0-8CBB-2517A2BED2AA}"/>
-              </a:ext>
-            </a:extLst>
-          </p:cNvPr>
-          <p:cNvSpPr txBox="1"/>
-          <p:nvPr/>
-        </p:nvSpPr>
-        <p:spPr>
-          <a:xfrm>
-            <a:off x="9984085" y="4905456"/>
-            <a:ext cx="1858206" cy="369332"/>
-          </a:xfrm>
-          <a:prstGeom prst="rect">
-            <a:avLst/>
-          </a:prstGeom>
-          <a:noFill/>
-        </p:spPr>
-        <p:txBody>
-          <a:bodyPr wrap="square" rtlCol="0">
-            <a:spAutoFit/>
-          </a:bodyPr>
-          <a:lstStyle/>
-          <a:p>
-            <a:r>
-              <a:rPr lang="en-US" dirty="0"/>
-              <a:t>Check for Tables</a:t>
-            </a:r>
-          </a:p>
-        </p:txBody>
-      </p:sp>
-      <p:sp>
-        <p:nvSpPr>
-          <p:cNvPr id="6" name="Rectangle 5">
-            <a:extLst>
-              <a:ext uri="{FF2B5EF4-FFF2-40B4-BE49-F238E27FC236}">
-                <a16:creationId xmlns:a16="http://schemas.microsoft.com/office/drawing/2014/main" id="{62A0FB94-BA0C-4E16-949C-F29504259470}"/>
-              </a:ext>
-            </a:extLst>
-          </p:cNvPr>
-          <p:cNvSpPr/>
-          <p:nvPr/>
-        </p:nvSpPr>
-        <p:spPr>
-          <a:xfrm flipV="1">
-            <a:off x="3497328" y="4930041"/>
-            <a:ext cx="1164983" cy="80245"/>
-          </a:xfrm>
-          <a:prstGeom prst="rect">
-            <a:avLst/>
-          </a:prstGeom>
-        </p:spPr>
-        <p:style>
-          <a:lnRef idx="2">
-            <a:schemeClr val="accent1">
-              <a:shade val="50000"/>
-            </a:schemeClr>
-          </a:lnRef>
-          <a:fillRef idx="1">
-            <a:schemeClr val="accent1"/>
-          </a:fillRef>
-          <a:effectRef idx="0">
-            <a:schemeClr val="accent1"/>
-          </a:effectRef>
-          <a:fontRef idx="minor">
-            <a:schemeClr val="lt1"/>
-          </a:fontRef>
-        </p:style>
-        <p:txBody>
-          <a:bodyPr rtlCol="0" anchor="ctr"/>
-          <a:lstStyle/>
-          <a:p>
-            <a:pPr algn="ctr"/>
-            <a:endParaRPr lang="en-US"/>
-          </a:p>
-        </p:txBody>
-      </p:sp>
     </p:spTree>
     <p:extLst>
       <p:ext uri="{BB962C8B-B14F-4D97-AF65-F5344CB8AC3E}">
@@ -5365,6 +5328,66 @@
     <p:extLst>
       <p:ext uri="{BB962C8B-B14F-4D97-AF65-F5344CB8AC3E}">
         <p14:creationId xmlns:p14="http://schemas.microsoft.com/office/powerpoint/2010/main" val="2833343022"/>
+      </p:ext>
+    </p:extLst>
+  </p:cSld>
+  <p:clrMapOvr>
+    <a:masterClrMapping/>
+  </p:clrMapOvr>
+</p:sld>
+</file>
+
+<file path=ppt/slides/slide6.xml><?xml version="1.0" encoding="utf-8"?>
+<p:sld xmlns:a="http://schemas.openxmlformats.org/drawingml/2006/main" xmlns:r="http://schemas.openxmlformats.org/officeDocument/2006/relationships" xmlns:p="http://schemas.openxmlformats.org/presentationml/2006/main">
+  <p:cSld>
+    <p:spTree>
+      <p:nvGrpSpPr>
+        <p:cNvPr id="1" name=""/>
+        <p:cNvGrpSpPr/>
+        <p:nvPr/>
+      </p:nvGrpSpPr>
+      <p:grpSpPr>
+        <a:xfrm>
+          <a:off x="0" y="0"/>
+          <a:ext cx="0" cy="0"/>
+          <a:chOff x="0" y="0"/>
+          <a:chExt cx="0" cy="0"/>
+        </a:xfrm>
+      </p:grpSpPr>
+      <p:pic>
+        <p:nvPicPr>
+          <p:cNvPr id="2" name="Picture 1">
+            <a:extLst>
+              <a:ext uri="{FF2B5EF4-FFF2-40B4-BE49-F238E27FC236}">
+                <a16:creationId xmlns:a16="http://schemas.microsoft.com/office/drawing/2014/main" id="{DD4A2452-01AB-45B0-B5B1-AD059F6AAB29}"/>
+              </a:ext>
+            </a:extLst>
+          </p:cNvPr>
+          <p:cNvPicPr>
+            <a:picLocks noChangeAspect="1"/>
+          </p:cNvPicPr>
+          <p:nvPr/>
+        </p:nvPicPr>
+        <p:blipFill>
+          <a:blip r:embed="rId2"/>
+          <a:stretch>
+            <a:fillRect/>
+          </a:stretch>
+        </p:blipFill>
+        <p:spPr>
+          <a:xfrm>
+            <a:off x="335280" y="457268"/>
+            <a:ext cx="11521440" cy="4373320"/>
+          </a:xfrm>
+          <a:prstGeom prst="rect">
+            <a:avLst/>
+          </a:prstGeom>
+        </p:spPr>
+      </p:pic>
+    </p:spTree>
+    <p:extLst>
+      <p:ext uri="{BB962C8B-B14F-4D97-AF65-F5344CB8AC3E}">
+        <p14:creationId xmlns:p14="http://schemas.microsoft.com/office/powerpoint/2010/main" val="3435180963"/>
       </p:ext>
     </p:extLst>
   </p:cSld>
